--- a/UI PPT/UI 수정본 (신정길).pptx
+++ b/UI PPT/UI 수정본 (신정길).pptx
@@ -4575,8 +4575,8 @@
         </p:nvSpPr>
         <p:spPr>
           <a:xfrm>
-            <a:off x="4247016" y="1809141"/>
-            <a:ext cx="3705190" cy="4580094"/>
+            <a:off x="4159045" y="1740316"/>
+            <a:ext cx="3793161" cy="4648919"/>
           </a:xfrm>
           <a:prstGeom prst="rect">
             <a:avLst/>
@@ -4612,9 +4612,12 @@
           <a:p>
             <a:pPr algn="ctr"/>
             <a:r>
-              <a:rPr lang="ko-KR" altLang="en-US" dirty="0">
+              <a:rPr lang="ko-KR" altLang="en-US" i="1" dirty="0">
                 <a:solidFill>
-                  <a:schemeClr val="tx1"/>
+                  <a:schemeClr val="tx1">
+                    <a:lumMod val="50000"/>
+                    <a:lumOff val="50000"/>
+                  </a:schemeClr>
                 </a:solidFill>
               </a:rPr>
               <a:t>시간표 삽입</a:t>
@@ -4685,6 +4688,189 @@
                 <a:schemeClr val="tx1"/>
               </a:solidFill>
             </a:endParaRPr>
+          </a:p>
+        </p:txBody>
+      </p:sp>
+      <p:cxnSp>
+        <p:nvCxnSpPr>
+          <p:cNvPr id="11" name="직선 연결선 10">
+            <a:extLst>
+              <a:ext uri="{FF2B5EF4-FFF2-40B4-BE49-F238E27FC236}">
+                <a16:creationId xmlns:a16="http://schemas.microsoft.com/office/drawing/2014/main" id="{88AB0A26-7881-48D7-9223-CD63745824E3}"/>
+              </a:ext>
+            </a:extLst>
+          </p:cNvPr>
+          <p:cNvCxnSpPr>
+            <a:cxnSpLocks/>
+          </p:cNvCxnSpPr>
+          <p:nvPr/>
+        </p:nvCxnSpPr>
+        <p:spPr>
+          <a:xfrm flipV="1">
+            <a:off x="7389845" y="2435289"/>
+            <a:ext cx="1156996" cy="3003415"/>
+          </a:xfrm>
+          <a:prstGeom prst="line">
+            <a:avLst/>
+          </a:prstGeom>
+          <a:ln w="9525" cap="flat" cmpd="sng" algn="ctr">
+            <a:solidFill>
+              <a:schemeClr val="dk1"/>
+            </a:solidFill>
+            <a:prstDash val="solid"/>
+            <a:round/>
+            <a:headEnd type="none" w="med" len="med"/>
+            <a:tailEnd type="arrow" w="med" len="med"/>
+          </a:ln>
+        </p:spPr>
+        <p:style>
+          <a:lnRef idx="0">
+            <a:scrgbClr r="0" g="0" b="0"/>
+          </a:lnRef>
+          <a:fillRef idx="0">
+            <a:scrgbClr r="0" g="0" b="0"/>
+          </a:fillRef>
+          <a:effectRef idx="0">
+            <a:scrgbClr r="0" g="0" b="0"/>
+          </a:effectRef>
+          <a:fontRef idx="minor">
+            <a:schemeClr val="tx1"/>
+          </a:fontRef>
+        </p:style>
+      </p:cxnSp>
+      <p:sp>
+        <p:nvSpPr>
+          <p:cNvPr id="6" name="직사각형 5">
+            <a:extLst>
+              <a:ext uri="{FF2B5EF4-FFF2-40B4-BE49-F238E27FC236}">
+                <a16:creationId xmlns:a16="http://schemas.microsoft.com/office/drawing/2014/main" id="{BB1DA04E-2DAC-4A88-A15C-B4926C1ADBED}"/>
+              </a:ext>
+            </a:extLst>
+          </p:cNvPr>
+          <p:cNvSpPr/>
+          <p:nvPr/>
+        </p:nvSpPr>
+        <p:spPr>
+          <a:xfrm>
+            <a:off x="8546841" y="2435290"/>
+            <a:ext cx="3340359" cy="4142792"/>
+          </a:xfrm>
+          <a:prstGeom prst="rect">
+            <a:avLst/>
+          </a:prstGeom>
+        </p:spPr>
+        <p:style>
+          <a:lnRef idx="2">
+            <a:schemeClr val="dk1"/>
+          </a:lnRef>
+          <a:fillRef idx="1">
+            <a:schemeClr val="lt1"/>
+          </a:fillRef>
+          <a:effectRef idx="0">
+            <a:schemeClr val="dk1"/>
+          </a:effectRef>
+          <a:fontRef idx="minor">
+            <a:schemeClr val="dk1"/>
+          </a:fontRef>
+        </p:style>
+        <p:txBody>
+          <a:bodyPr rtlCol="0" anchor="ctr"/>
+          <a:lstStyle/>
+          <a:p>
+            <a:pPr algn="ctr"/>
+            <a:endParaRPr lang="ko-KR" altLang="en-US"/>
+          </a:p>
+        </p:txBody>
+      </p:sp>
+      <p:cxnSp>
+        <p:nvCxnSpPr>
+          <p:cNvPr id="15" name="직선 연결선 14">
+            <a:extLst>
+              <a:ext uri="{FF2B5EF4-FFF2-40B4-BE49-F238E27FC236}">
+                <a16:creationId xmlns:a16="http://schemas.microsoft.com/office/drawing/2014/main" id="{0732DBB1-C13D-4FC9-BEDD-159497035FB2}"/>
+              </a:ext>
+            </a:extLst>
+          </p:cNvPr>
+          <p:cNvCxnSpPr>
+            <a:cxnSpLocks/>
+            <a:stCxn id="14" idx="4"/>
+          </p:cNvCxnSpPr>
+          <p:nvPr/>
+        </p:nvCxnSpPr>
+        <p:spPr>
+          <a:xfrm>
+            <a:off x="7399507" y="6226636"/>
+            <a:ext cx="1147334" cy="351446"/>
+          </a:xfrm>
+          <a:prstGeom prst="line">
+            <a:avLst/>
+          </a:prstGeom>
+          <a:ln w="9525" cap="flat" cmpd="sng" algn="ctr">
+            <a:solidFill>
+              <a:schemeClr val="dk1"/>
+            </a:solidFill>
+            <a:prstDash val="solid"/>
+            <a:round/>
+            <a:headEnd type="none" w="med" len="med"/>
+            <a:tailEnd type="arrow" w="med" len="med"/>
+          </a:ln>
+        </p:spPr>
+        <p:style>
+          <a:lnRef idx="0">
+            <a:scrgbClr r="0" g="0" b="0"/>
+          </a:lnRef>
+          <a:fillRef idx="0">
+            <a:scrgbClr r="0" g="0" b="0"/>
+          </a:fillRef>
+          <a:effectRef idx="0">
+            <a:scrgbClr r="0" g="0" b="0"/>
+          </a:effectRef>
+          <a:fontRef idx="minor">
+            <a:schemeClr val="tx1"/>
+          </a:fontRef>
+        </p:style>
+      </p:cxnSp>
+      <p:sp>
+        <p:nvSpPr>
+          <p:cNvPr id="19" name="TextBox 18">
+            <a:extLst>
+              <a:ext uri="{FF2B5EF4-FFF2-40B4-BE49-F238E27FC236}">
+                <a16:creationId xmlns:a16="http://schemas.microsoft.com/office/drawing/2014/main" id="{1386EE58-789E-434C-A13F-BA480B332903}"/>
+              </a:ext>
+            </a:extLst>
+          </p:cNvPr>
+          <p:cNvSpPr txBox="1"/>
+          <p:nvPr/>
+        </p:nvSpPr>
+        <p:spPr>
+          <a:xfrm>
+            <a:off x="8917858" y="1995949"/>
+            <a:ext cx="2339102" cy="307777"/>
+          </a:xfrm>
+          <a:prstGeom prst="rect">
+            <a:avLst/>
+          </a:prstGeom>
+          <a:noFill/>
+        </p:spPr>
+        <p:txBody>
+          <a:bodyPr wrap="none" rtlCol="0">
+            <a:spAutoFit/>
+          </a:bodyPr>
+          <a:lstStyle/>
+          <a:p>
+            <a:r>
+              <a:rPr lang="en-US" altLang="ko-KR" sz="1400" dirty="0"/>
+              <a:t>(</a:t>
+            </a:r>
+            <a:r>
+              <a:rPr lang="ko-KR" altLang="en-US" sz="1400" dirty="0"/>
+              <a:t>버튼 원 클릭 이벤트 처리</a:t>
+            </a:r>
+            <a:r>
+              <a:rPr lang="en-US" altLang="ko-KR" sz="1400" dirty="0"/>
+              <a:t>)</a:t>
+            </a:r>
+            <a:endParaRPr lang="ko-KR" altLang="en-US" sz="1400" dirty="0"/>
           </a:p>
         </p:txBody>
       </p:sp>
